--- a/2019-03-HIV/HIV Model Diagram.pptx
+++ b/2019-03-HIV/HIV Model Diagram.pptx
@@ -262,7 +262,7 @@
           <a:p>
             <a:fld id="{9A35B5DD-C362-4A4F-89C2-BFD6EBD4AFC4}" type="datetimeFigureOut">
               <a:rPr lang="en-US" smtClean="0"/>
-              <a:t>4/19/2019</a:t>
+              <a:t>4/26/2019</a:t>
             </a:fld>
             <a:endParaRPr lang="en-US"/>
           </a:p>
@@ -460,7 +460,7 @@
           <a:p>
             <a:fld id="{9A35B5DD-C362-4A4F-89C2-BFD6EBD4AFC4}" type="datetimeFigureOut">
               <a:rPr lang="en-US" smtClean="0"/>
-              <a:t>4/19/2019</a:t>
+              <a:t>4/26/2019</a:t>
             </a:fld>
             <a:endParaRPr lang="en-US"/>
           </a:p>
@@ -668,7 +668,7 @@
           <a:p>
             <a:fld id="{9A35B5DD-C362-4A4F-89C2-BFD6EBD4AFC4}" type="datetimeFigureOut">
               <a:rPr lang="en-US" smtClean="0"/>
-              <a:t>4/19/2019</a:t>
+              <a:t>4/26/2019</a:t>
             </a:fld>
             <a:endParaRPr lang="en-US"/>
           </a:p>
@@ -866,7 +866,7 @@
           <a:p>
             <a:fld id="{9A35B5DD-C362-4A4F-89C2-BFD6EBD4AFC4}" type="datetimeFigureOut">
               <a:rPr lang="en-US" smtClean="0"/>
-              <a:t>4/19/2019</a:t>
+              <a:t>4/26/2019</a:t>
             </a:fld>
             <a:endParaRPr lang="en-US"/>
           </a:p>
@@ -1141,7 +1141,7 @@
           <a:p>
             <a:fld id="{9A35B5DD-C362-4A4F-89C2-BFD6EBD4AFC4}" type="datetimeFigureOut">
               <a:rPr lang="en-US" smtClean="0"/>
-              <a:t>4/19/2019</a:t>
+              <a:t>4/26/2019</a:t>
             </a:fld>
             <a:endParaRPr lang="en-US"/>
           </a:p>
@@ -1406,7 +1406,7 @@
           <a:p>
             <a:fld id="{9A35B5DD-C362-4A4F-89C2-BFD6EBD4AFC4}" type="datetimeFigureOut">
               <a:rPr lang="en-US" smtClean="0"/>
-              <a:t>4/19/2019</a:t>
+              <a:t>4/26/2019</a:t>
             </a:fld>
             <a:endParaRPr lang="en-US"/>
           </a:p>
@@ -1818,7 +1818,7 @@
           <a:p>
             <a:fld id="{9A35B5DD-C362-4A4F-89C2-BFD6EBD4AFC4}" type="datetimeFigureOut">
               <a:rPr lang="en-US" smtClean="0"/>
-              <a:t>4/19/2019</a:t>
+              <a:t>4/26/2019</a:t>
             </a:fld>
             <a:endParaRPr lang="en-US"/>
           </a:p>
@@ -1959,7 +1959,7 @@
           <a:p>
             <a:fld id="{9A35B5DD-C362-4A4F-89C2-BFD6EBD4AFC4}" type="datetimeFigureOut">
               <a:rPr lang="en-US" smtClean="0"/>
-              <a:t>4/19/2019</a:t>
+              <a:t>4/26/2019</a:t>
             </a:fld>
             <a:endParaRPr lang="en-US"/>
           </a:p>
@@ -2072,7 +2072,7 @@
           <a:p>
             <a:fld id="{9A35B5DD-C362-4A4F-89C2-BFD6EBD4AFC4}" type="datetimeFigureOut">
               <a:rPr lang="en-US" smtClean="0"/>
-              <a:t>4/19/2019</a:t>
+              <a:t>4/26/2019</a:t>
             </a:fld>
             <a:endParaRPr lang="en-US"/>
           </a:p>
@@ -2383,7 +2383,7 @@
           <a:p>
             <a:fld id="{9A35B5DD-C362-4A4F-89C2-BFD6EBD4AFC4}" type="datetimeFigureOut">
               <a:rPr lang="en-US" smtClean="0"/>
-              <a:t>4/19/2019</a:t>
+              <a:t>4/26/2019</a:t>
             </a:fld>
             <a:endParaRPr lang="en-US"/>
           </a:p>
@@ -2671,7 +2671,7 @@
           <a:p>
             <a:fld id="{9A35B5DD-C362-4A4F-89C2-BFD6EBD4AFC4}" type="datetimeFigureOut">
               <a:rPr lang="en-US" smtClean="0"/>
-              <a:t>4/19/2019</a:t>
+              <a:t>4/26/2019</a:t>
             </a:fld>
             <a:endParaRPr lang="en-US"/>
           </a:p>
@@ -2912,7 +2912,7 @@
           <a:p>
             <a:fld id="{9A35B5DD-C362-4A4F-89C2-BFD6EBD4AFC4}" type="datetimeFigureOut">
               <a:rPr lang="en-US" smtClean="0"/>
-              <a:t>4/19/2019</a:t>
+              <a:t>4/26/2019</a:t>
             </a:fld>
             <a:endParaRPr lang="en-US"/>
           </a:p>
@@ -7021,6 +7021,145 @@
           </a:fontRef>
         </p:style>
       </p:cxnSp>
+      <p:sp>
+        <p:nvSpPr>
+          <p:cNvPr id="2" name="Rectangle 1">
+            <a:extLst>
+              <a:ext uri="{FF2B5EF4-FFF2-40B4-BE49-F238E27FC236}">
+                <a16:creationId xmlns:a16="http://schemas.microsoft.com/office/drawing/2014/main" id="{57E8D604-53A7-4E8B-A675-CD7DA32B03F7}"/>
+              </a:ext>
+            </a:extLst>
+          </p:cNvPr>
+          <p:cNvSpPr/>
+          <p:nvPr/>
+        </p:nvSpPr>
+        <p:spPr>
+          <a:xfrm>
+            <a:off x="2392986" y="3482628"/>
+            <a:ext cx="1942327" cy="369332"/>
+          </a:xfrm>
+          <a:prstGeom prst="rect">
+            <a:avLst/>
+          </a:prstGeom>
+        </p:spPr>
+        <p:txBody>
+          <a:bodyPr wrap="none">
+            <a:spAutoFit/>
+          </a:bodyPr>
+          <a:lstStyle/>
+          <a:p>
+            <a:r>
+              <a:rPr lang="en-US" dirty="0" err="1"/>
+              <a:t>acute.ART.net.flow</a:t>
+            </a:r>
+            <a:endParaRPr lang="en-US" dirty="0"/>
+          </a:p>
+        </p:txBody>
+      </p:sp>
+      <p:sp>
+        <p:nvSpPr>
+          <p:cNvPr id="3" name="Rectangle 2">
+            <a:extLst>
+              <a:ext uri="{FF2B5EF4-FFF2-40B4-BE49-F238E27FC236}">
+                <a16:creationId xmlns:a16="http://schemas.microsoft.com/office/drawing/2014/main" id="{F243C55E-D3BB-4458-BE51-4DE8BDF3814E}"/>
+              </a:ext>
+            </a:extLst>
+          </p:cNvPr>
+          <p:cNvSpPr/>
+          <p:nvPr/>
+        </p:nvSpPr>
+        <p:spPr>
+          <a:xfrm>
+            <a:off x="4436451" y="3855924"/>
+            <a:ext cx="2229649" cy="369332"/>
+          </a:xfrm>
+          <a:prstGeom prst="rect">
+            <a:avLst/>
+          </a:prstGeom>
+        </p:spPr>
+        <p:txBody>
+          <a:bodyPr wrap="none">
+            <a:spAutoFit/>
+          </a:bodyPr>
+          <a:lstStyle/>
+          <a:p>
+            <a:r>
+              <a:rPr lang="en-US" dirty="0"/>
+              <a:t>chronic1.ART.net.flow</a:t>
+            </a:r>
+          </a:p>
+        </p:txBody>
+      </p:sp>
+      <p:sp>
+        <p:nvSpPr>
+          <p:cNvPr id="31" name="Rectangle 30">
+            <a:extLst>
+              <a:ext uri="{FF2B5EF4-FFF2-40B4-BE49-F238E27FC236}">
+                <a16:creationId xmlns:a16="http://schemas.microsoft.com/office/drawing/2014/main" id="{73A74BA8-13F6-4A02-87CB-A66EDB2044EA}"/>
+              </a:ext>
+            </a:extLst>
+          </p:cNvPr>
+          <p:cNvSpPr/>
+          <p:nvPr/>
+        </p:nvSpPr>
+        <p:spPr>
+          <a:xfrm>
+            <a:off x="6905161" y="3482577"/>
+            <a:ext cx="2229649" cy="369332"/>
+          </a:xfrm>
+          <a:prstGeom prst="rect">
+            <a:avLst/>
+          </a:prstGeom>
+        </p:spPr>
+        <p:txBody>
+          <a:bodyPr wrap="none">
+            <a:spAutoFit/>
+          </a:bodyPr>
+          <a:lstStyle/>
+          <a:p>
+            <a:r>
+              <a:rPr lang="en-US"/>
+              <a:t>chronic2.ART.net.flow</a:t>
+            </a:r>
+            <a:endParaRPr lang="en-US" dirty="0"/>
+          </a:p>
+        </p:txBody>
+      </p:sp>
+      <p:sp>
+        <p:nvSpPr>
+          <p:cNvPr id="40" name="Rectangle 39">
+            <a:extLst>
+              <a:ext uri="{FF2B5EF4-FFF2-40B4-BE49-F238E27FC236}">
+                <a16:creationId xmlns:a16="http://schemas.microsoft.com/office/drawing/2014/main" id="{6055BD09-712E-4E65-911D-840EBF066AB0}"/>
+              </a:ext>
+            </a:extLst>
+          </p:cNvPr>
+          <p:cNvSpPr/>
+          <p:nvPr/>
+        </p:nvSpPr>
+        <p:spPr>
+          <a:xfrm>
+            <a:off x="9509624" y="3854831"/>
+            <a:ext cx="1831014" cy="369332"/>
+          </a:xfrm>
+          <a:prstGeom prst="rect">
+            <a:avLst/>
+          </a:prstGeom>
+        </p:spPr>
+        <p:txBody>
+          <a:bodyPr wrap="none">
+            <a:spAutoFit/>
+          </a:bodyPr>
+          <a:lstStyle/>
+          <a:p>
+            <a:r>
+              <a:rPr lang="en-US" dirty="0" err="1"/>
+              <a:t>final.ART.net.flow</a:t>
+            </a:r>
+            <a:endParaRPr lang="en-US" dirty="0"/>
+          </a:p>
+        </p:txBody>
+      </p:sp>
     </p:spTree>
     <p:extLst>
       <p:ext uri="{BB962C8B-B14F-4D97-AF65-F5344CB8AC3E}">

--- a/2019-03-HIV/HIV Model Diagram.pptx
+++ b/2019-03-HIV/HIV Model Diagram.pptx
@@ -262,7 +262,7 @@
           <a:p>
             <a:fld id="{9A35B5DD-C362-4A4F-89C2-BFD6EBD4AFC4}" type="datetimeFigureOut">
               <a:rPr lang="en-US" smtClean="0"/>
-              <a:t>4/26/2019</a:t>
+              <a:t>5/9/19</a:t>
             </a:fld>
             <a:endParaRPr lang="en-US"/>
           </a:p>
@@ -460,7 +460,7 @@
           <a:p>
             <a:fld id="{9A35B5DD-C362-4A4F-89C2-BFD6EBD4AFC4}" type="datetimeFigureOut">
               <a:rPr lang="en-US" smtClean="0"/>
-              <a:t>4/26/2019</a:t>
+              <a:t>5/9/19</a:t>
             </a:fld>
             <a:endParaRPr lang="en-US"/>
           </a:p>
@@ -668,7 +668,7 @@
           <a:p>
             <a:fld id="{9A35B5DD-C362-4A4F-89C2-BFD6EBD4AFC4}" type="datetimeFigureOut">
               <a:rPr lang="en-US" smtClean="0"/>
-              <a:t>4/26/2019</a:t>
+              <a:t>5/9/19</a:t>
             </a:fld>
             <a:endParaRPr lang="en-US"/>
           </a:p>
@@ -866,7 +866,7 @@
           <a:p>
             <a:fld id="{9A35B5DD-C362-4A4F-89C2-BFD6EBD4AFC4}" type="datetimeFigureOut">
               <a:rPr lang="en-US" smtClean="0"/>
-              <a:t>4/26/2019</a:t>
+              <a:t>5/9/19</a:t>
             </a:fld>
             <a:endParaRPr lang="en-US"/>
           </a:p>
@@ -1141,7 +1141,7 @@
           <a:p>
             <a:fld id="{9A35B5DD-C362-4A4F-89C2-BFD6EBD4AFC4}" type="datetimeFigureOut">
               <a:rPr lang="en-US" smtClean="0"/>
-              <a:t>4/26/2019</a:t>
+              <a:t>5/9/19</a:t>
             </a:fld>
             <a:endParaRPr lang="en-US"/>
           </a:p>
@@ -1406,7 +1406,7 @@
           <a:p>
             <a:fld id="{9A35B5DD-C362-4A4F-89C2-BFD6EBD4AFC4}" type="datetimeFigureOut">
               <a:rPr lang="en-US" smtClean="0"/>
-              <a:t>4/26/2019</a:t>
+              <a:t>5/9/19</a:t>
             </a:fld>
             <a:endParaRPr lang="en-US"/>
           </a:p>
@@ -1818,7 +1818,7 @@
           <a:p>
             <a:fld id="{9A35B5DD-C362-4A4F-89C2-BFD6EBD4AFC4}" type="datetimeFigureOut">
               <a:rPr lang="en-US" smtClean="0"/>
-              <a:t>4/26/2019</a:t>
+              <a:t>5/9/19</a:t>
             </a:fld>
             <a:endParaRPr lang="en-US"/>
           </a:p>
@@ -1959,7 +1959,7 @@
           <a:p>
             <a:fld id="{9A35B5DD-C362-4A4F-89C2-BFD6EBD4AFC4}" type="datetimeFigureOut">
               <a:rPr lang="en-US" smtClean="0"/>
-              <a:t>4/26/2019</a:t>
+              <a:t>5/9/19</a:t>
             </a:fld>
             <a:endParaRPr lang="en-US"/>
           </a:p>
@@ -2072,7 +2072,7 @@
           <a:p>
             <a:fld id="{9A35B5DD-C362-4A4F-89C2-BFD6EBD4AFC4}" type="datetimeFigureOut">
               <a:rPr lang="en-US" smtClean="0"/>
-              <a:t>4/26/2019</a:t>
+              <a:t>5/9/19</a:t>
             </a:fld>
             <a:endParaRPr lang="en-US"/>
           </a:p>
@@ -2383,7 +2383,7 @@
           <a:p>
             <a:fld id="{9A35B5DD-C362-4A4F-89C2-BFD6EBD4AFC4}" type="datetimeFigureOut">
               <a:rPr lang="en-US" smtClean="0"/>
-              <a:t>4/26/2019</a:t>
+              <a:t>5/9/19</a:t>
             </a:fld>
             <a:endParaRPr lang="en-US"/>
           </a:p>
@@ -2671,7 +2671,7 @@
           <a:p>
             <a:fld id="{9A35B5DD-C362-4A4F-89C2-BFD6EBD4AFC4}" type="datetimeFigureOut">
               <a:rPr lang="en-US" smtClean="0"/>
-              <a:t>4/26/2019</a:t>
+              <a:t>5/9/19</a:t>
             </a:fld>
             <a:endParaRPr lang="en-US"/>
           </a:p>
@@ -2912,7 +2912,7 @@
           <a:p>
             <a:fld id="{9A35B5DD-C362-4A4F-89C2-BFD6EBD4AFC4}" type="datetimeFigureOut">
               <a:rPr lang="en-US" smtClean="0"/>
-              <a:t>4/26/2019</a:t>
+              <a:t>5/9/19</a:t>
             </a:fld>
             <a:endParaRPr lang="en-US"/>
           </a:p>
@@ -4042,7 +4042,7 @@
             <a:pPr algn="ctr"/>
             <a:r>
               <a:rPr lang="en-US" dirty="0"/>
-              <a:t>Final</a:t>
+              <a:t>AIDS</a:t>
             </a:r>
           </a:p>
         </p:txBody>
@@ -5157,7 +5157,7 @@
             <a:pPr algn="ctr"/>
             <a:r>
               <a:rPr lang="en-US" dirty="0"/>
-              <a:t>Final</a:t>
+              <a:t>AIDS</a:t>
             </a:r>
             <a:br>
               <a:rPr lang="en-US" dirty="0"/>
@@ -5868,7 +5868,7 @@
             <a:pPr algn="ctr"/>
             <a:r>
               <a:rPr lang="en-US" dirty="0"/>
-              <a:t>Final</a:t>
+              <a:t>AIDS</a:t>
             </a:r>
             <a:br>
               <a:rPr lang="en-US" dirty="0"/>
